--- a/slides/04-BridgeCrossing.pptx
+++ b/slides/04-BridgeCrossing.pptx
@@ -7756,10 +7756,9 @@
           <a:p>
             <a:pPr algn="ctr"/>
             <a:r>
-              <a:rPr lang="en-US" dirty="0" err="1"/>
-              <a:t>Pk</a:t>
-            </a:r>
-            <a:endParaRPr lang="en-US" dirty="0"/>
+              <a:rPr lang="en-US" dirty="0"/>
+              <a:t>Pi</a:t>
+            </a:r>
           </a:p>
         </p:txBody>
       </p:sp>
@@ -8254,10 +8253,9 @@
           <a:p>
             <a:pPr algn="ctr"/>
             <a:r>
-              <a:rPr lang="en-US" dirty="0" err="1"/>
-              <a:t>Pk</a:t>
-            </a:r>
-            <a:endParaRPr lang="en-US" dirty="0"/>
+              <a:rPr lang="en-US" dirty="0"/>
+              <a:t>Pi</a:t>
+            </a:r>
           </a:p>
         </p:txBody>
       </p:sp>
